--- a/doc/Hirarchy of lipidomics features.pptx
+++ b/doc/Hirarchy of lipidomics features.pptx
@@ -6,6 +6,7 @@
   </p:sldMasterIdLst>
   <p:sldIdLst>
     <p:sldId id="256" r:id="rId2"/>
+    <p:sldId id="258" r:id="rId3"/>
   </p:sldIdLst>
   <p:sldSz cx="12192000" cy="6858000"/>
   <p:notesSz cx="6858000" cy="9144000"/>
@@ -104,6 +105,11 @@
       </a:defRPr>
     </a:lvl9pPr>
   </p:defaultTextStyle>
+  <p:extLst>
+    <p:ext uri="{EFAFB233-063F-42B5-8137-9DF3F51BA10A}">
+      <p15:sldGuideLst xmlns:p15="http://schemas.microsoft.com/office/powerpoint/2012/main"/>
+    </p:ext>
+  </p:extLst>
 </p:presentation>
 </file>
 
@@ -256,7 +262,7 @@
               <a:rPr lang="en-US" smtClean="0"/>
               <a:t>2018-08-26</a:t>
             </a:fld>
-            <a:endParaRPr lang="en-US"/>
+            <a:endParaRPr lang="en-US" dirty="0"/>
           </a:p>
         </p:txBody>
       </p:sp>
@@ -281,7 +287,7 @@
           <a:bodyPr/>
           <a:lstStyle/>
           <a:p>
-            <a:endParaRPr lang="en-US"/>
+            <a:endParaRPr lang="en-US" dirty="0"/>
           </a:p>
         </p:txBody>
       </p:sp>
@@ -310,7 +316,7 @@
               <a:rPr lang="en-US" smtClean="0"/>
               <a:t>‹#›</a:t>
             </a:fld>
-            <a:endParaRPr lang="en-US"/>
+            <a:endParaRPr lang="en-US" dirty="0"/>
           </a:p>
         </p:txBody>
       </p:sp>
@@ -454,7 +460,7 @@
               <a:rPr lang="en-US" smtClean="0"/>
               <a:t>2018-08-26</a:t>
             </a:fld>
-            <a:endParaRPr lang="en-US"/>
+            <a:endParaRPr lang="en-US" dirty="0"/>
           </a:p>
         </p:txBody>
       </p:sp>
@@ -479,7 +485,7 @@
           <a:bodyPr/>
           <a:lstStyle/>
           <a:p>
-            <a:endParaRPr lang="en-US"/>
+            <a:endParaRPr lang="en-US" dirty="0"/>
           </a:p>
         </p:txBody>
       </p:sp>
@@ -508,7 +514,7 @@
               <a:rPr lang="en-US" smtClean="0"/>
               <a:t>‹#›</a:t>
             </a:fld>
-            <a:endParaRPr lang="en-US"/>
+            <a:endParaRPr lang="en-US" dirty="0"/>
           </a:p>
         </p:txBody>
       </p:sp>
@@ -662,7 +668,7 @@
               <a:rPr lang="en-US" smtClean="0"/>
               <a:t>2018-08-26</a:t>
             </a:fld>
-            <a:endParaRPr lang="en-US"/>
+            <a:endParaRPr lang="en-US" dirty="0"/>
           </a:p>
         </p:txBody>
       </p:sp>
@@ -687,7 +693,7 @@
           <a:bodyPr/>
           <a:lstStyle/>
           <a:p>
-            <a:endParaRPr lang="en-US"/>
+            <a:endParaRPr lang="en-US" dirty="0"/>
           </a:p>
         </p:txBody>
       </p:sp>
@@ -716,7 +722,7 @@
               <a:rPr lang="en-US" smtClean="0"/>
               <a:t>‹#›</a:t>
             </a:fld>
-            <a:endParaRPr lang="en-US"/>
+            <a:endParaRPr lang="en-US" dirty="0"/>
           </a:p>
         </p:txBody>
       </p:sp>
@@ -860,7 +866,7 @@
               <a:rPr lang="en-US" smtClean="0"/>
               <a:t>2018-08-26</a:t>
             </a:fld>
-            <a:endParaRPr lang="en-US"/>
+            <a:endParaRPr lang="en-US" dirty="0"/>
           </a:p>
         </p:txBody>
       </p:sp>
@@ -885,7 +891,7 @@
           <a:bodyPr/>
           <a:lstStyle/>
           <a:p>
-            <a:endParaRPr lang="en-US"/>
+            <a:endParaRPr lang="en-US" dirty="0"/>
           </a:p>
         </p:txBody>
       </p:sp>
@@ -914,7 +920,7 @@
               <a:rPr lang="en-US" smtClean="0"/>
               <a:t>‹#›</a:t>
             </a:fld>
-            <a:endParaRPr lang="en-US"/>
+            <a:endParaRPr lang="en-US" dirty="0"/>
           </a:p>
         </p:txBody>
       </p:sp>
@@ -1135,7 +1141,7 @@
               <a:rPr lang="en-US" smtClean="0"/>
               <a:t>2018-08-26</a:t>
             </a:fld>
-            <a:endParaRPr lang="en-US"/>
+            <a:endParaRPr lang="en-US" dirty="0"/>
           </a:p>
         </p:txBody>
       </p:sp>
@@ -1160,7 +1166,7 @@
           <a:bodyPr/>
           <a:lstStyle/>
           <a:p>
-            <a:endParaRPr lang="en-US"/>
+            <a:endParaRPr lang="en-US" dirty="0"/>
           </a:p>
         </p:txBody>
       </p:sp>
@@ -1189,7 +1195,7 @@
               <a:rPr lang="en-US" smtClean="0"/>
               <a:t>‹#›</a:t>
             </a:fld>
-            <a:endParaRPr lang="en-US"/>
+            <a:endParaRPr lang="en-US" dirty="0"/>
           </a:p>
         </p:txBody>
       </p:sp>
@@ -1400,7 +1406,7 @@
               <a:rPr lang="en-US" smtClean="0"/>
               <a:t>2018-08-26</a:t>
             </a:fld>
-            <a:endParaRPr lang="en-US"/>
+            <a:endParaRPr lang="en-US" dirty="0"/>
           </a:p>
         </p:txBody>
       </p:sp>
@@ -1425,7 +1431,7 @@
           <a:bodyPr/>
           <a:lstStyle/>
           <a:p>
-            <a:endParaRPr lang="en-US"/>
+            <a:endParaRPr lang="en-US" dirty="0"/>
           </a:p>
         </p:txBody>
       </p:sp>
@@ -1454,7 +1460,7 @@
               <a:rPr lang="en-US" smtClean="0"/>
               <a:t>‹#›</a:t>
             </a:fld>
-            <a:endParaRPr lang="en-US"/>
+            <a:endParaRPr lang="en-US" dirty="0"/>
           </a:p>
         </p:txBody>
       </p:sp>
@@ -1812,7 +1818,7 @@
               <a:rPr lang="en-US" smtClean="0"/>
               <a:t>2018-08-26</a:t>
             </a:fld>
-            <a:endParaRPr lang="en-US"/>
+            <a:endParaRPr lang="en-US" dirty="0"/>
           </a:p>
         </p:txBody>
       </p:sp>
@@ -1837,7 +1843,7 @@
           <a:bodyPr/>
           <a:lstStyle/>
           <a:p>
-            <a:endParaRPr lang="en-US"/>
+            <a:endParaRPr lang="en-US" dirty="0"/>
           </a:p>
         </p:txBody>
       </p:sp>
@@ -1866,7 +1872,7 @@
               <a:rPr lang="en-US" smtClean="0"/>
               <a:t>‹#›</a:t>
             </a:fld>
-            <a:endParaRPr lang="en-US"/>
+            <a:endParaRPr lang="en-US" dirty="0"/>
           </a:p>
         </p:txBody>
       </p:sp>
@@ -1953,7 +1959,7 @@
               <a:rPr lang="en-US" smtClean="0"/>
               <a:t>2018-08-26</a:t>
             </a:fld>
-            <a:endParaRPr lang="en-US"/>
+            <a:endParaRPr lang="en-US" dirty="0"/>
           </a:p>
         </p:txBody>
       </p:sp>
@@ -1978,7 +1984,7 @@
           <a:bodyPr/>
           <a:lstStyle/>
           <a:p>
-            <a:endParaRPr lang="en-US"/>
+            <a:endParaRPr lang="en-US" dirty="0"/>
           </a:p>
         </p:txBody>
       </p:sp>
@@ -2007,7 +2013,7 @@
               <a:rPr lang="en-US" smtClean="0"/>
               <a:t>‹#›</a:t>
             </a:fld>
-            <a:endParaRPr lang="en-US"/>
+            <a:endParaRPr lang="en-US" dirty="0"/>
           </a:p>
         </p:txBody>
       </p:sp>
@@ -2066,7 +2072,7 @@
               <a:rPr lang="en-US" smtClean="0"/>
               <a:t>2018-08-26</a:t>
             </a:fld>
-            <a:endParaRPr lang="en-US"/>
+            <a:endParaRPr lang="en-US" dirty="0"/>
           </a:p>
         </p:txBody>
       </p:sp>
@@ -2091,7 +2097,7 @@
           <a:bodyPr/>
           <a:lstStyle/>
           <a:p>
-            <a:endParaRPr lang="en-US"/>
+            <a:endParaRPr lang="en-US" dirty="0"/>
           </a:p>
         </p:txBody>
       </p:sp>
@@ -2120,7 +2126,7 @@
               <a:rPr lang="en-US" smtClean="0"/>
               <a:t>‹#›</a:t>
             </a:fld>
-            <a:endParaRPr lang="en-US"/>
+            <a:endParaRPr lang="en-US" dirty="0"/>
           </a:p>
         </p:txBody>
       </p:sp>
@@ -2377,7 +2383,7 @@
               <a:rPr lang="en-US" smtClean="0"/>
               <a:t>2018-08-26</a:t>
             </a:fld>
-            <a:endParaRPr lang="en-US"/>
+            <a:endParaRPr lang="en-US" dirty="0"/>
           </a:p>
         </p:txBody>
       </p:sp>
@@ -2402,7 +2408,7 @@
           <a:bodyPr/>
           <a:lstStyle/>
           <a:p>
-            <a:endParaRPr lang="en-US"/>
+            <a:endParaRPr lang="en-US" dirty="0"/>
           </a:p>
         </p:txBody>
       </p:sp>
@@ -2431,7 +2437,7 @@
               <a:rPr lang="en-US" smtClean="0"/>
               <a:t>‹#›</a:t>
             </a:fld>
-            <a:endParaRPr lang="en-US"/>
+            <a:endParaRPr lang="en-US" dirty="0"/>
           </a:p>
         </p:txBody>
       </p:sp>
@@ -2565,7 +2571,7 @@
             </a:lvl9pPr>
           </a:lstStyle>
           <a:p>
-            <a:endParaRPr lang="en-US"/>
+            <a:endParaRPr lang="en-US" dirty="0"/>
           </a:p>
         </p:txBody>
       </p:sp>
@@ -2665,7 +2671,7 @@
               <a:rPr lang="en-US" smtClean="0"/>
               <a:t>2018-08-26</a:t>
             </a:fld>
-            <a:endParaRPr lang="en-US"/>
+            <a:endParaRPr lang="en-US" dirty="0"/>
           </a:p>
         </p:txBody>
       </p:sp>
@@ -2690,7 +2696,7 @@
           <a:bodyPr/>
           <a:lstStyle/>
           <a:p>
-            <a:endParaRPr lang="en-US"/>
+            <a:endParaRPr lang="en-US" dirty="0"/>
           </a:p>
         </p:txBody>
       </p:sp>
@@ -2719,7 +2725,7 @@
               <a:rPr lang="en-US" smtClean="0"/>
               <a:t>‹#›</a:t>
             </a:fld>
-            <a:endParaRPr lang="en-US"/>
+            <a:endParaRPr lang="en-US" dirty="0"/>
           </a:p>
         </p:txBody>
       </p:sp>
@@ -2906,7 +2912,7 @@
               <a:rPr lang="en-US" smtClean="0"/>
               <a:t>2018-08-26</a:t>
             </a:fld>
-            <a:endParaRPr lang="en-US"/>
+            <a:endParaRPr lang="en-US" dirty="0"/>
           </a:p>
         </p:txBody>
       </p:sp>
@@ -2949,7 +2955,7 @@
             </a:lvl1pPr>
           </a:lstStyle>
           <a:p>
-            <a:endParaRPr lang="en-US"/>
+            <a:endParaRPr lang="en-US" dirty="0"/>
           </a:p>
         </p:txBody>
       </p:sp>
@@ -2996,7 +3002,7 @@
               <a:rPr lang="en-US" smtClean="0"/>
               <a:t>‹#›</a:t>
             </a:fld>
-            <a:endParaRPr lang="en-US"/>
+            <a:endParaRPr lang="en-US" dirty="0"/>
           </a:p>
         </p:txBody>
       </p:sp>
@@ -3350,20 +3356,8 @@
           <a:lstStyle/>
           <a:p>
             <a:r>
-              <a:rPr lang="en-US" sz="3600" dirty="0" err="1"/>
-              <a:t>Hirarchy</a:t>
-            </a:r>
-            <a:r>
               <a:rPr lang="en-US" sz="3600" dirty="0"/>
-              <a:t> of </a:t>
-            </a:r>
-            <a:r>
-              <a:rPr lang="en-US" sz="3600" dirty="0" err="1"/>
-              <a:t>lipidomics</a:t>
-            </a:r>
-            <a:r>
-              <a:rPr lang="en-US" sz="3600" dirty="0"/>
-              <a:t> features</a:t>
+              <a:t>Hierarchy of lipidomics features</a:t>
             </a:r>
           </a:p>
         </p:txBody>
@@ -3383,13 +3377,13 @@
           <p:nvPr>
             <p:extLst>
               <p:ext uri="{D42A27DB-BD31-4B8C-83A1-F6EECF244321}">
-                <p14:modId xmlns:p14="http://schemas.microsoft.com/office/powerpoint/2010/main" val="3647755453"/>
+                <p14:modId xmlns:p14="http://schemas.microsoft.com/office/powerpoint/2010/main" val="200933292"/>
               </p:ext>
             </p:extLst>
           </p:nvPr>
         </p:nvGraphicFramePr>
         <p:xfrm>
-          <a:off x="406399" y="1027460"/>
+          <a:off x="406397" y="762000"/>
           <a:ext cx="11563930" cy="2259689"/>
         </p:xfrm>
         <a:graphic>
@@ -3564,10 +3558,9 @@
                     <a:lstStyle/>
                     <a:p>
                       <a:r>
-                        <a:rPr lang="en-US" sz="1000" b="1" i="0" dirty="0" err="1"/>
+                        <a:rPr lang="en-US" sz="1000" b="1" i="0" dirty="0"/>
                         <a:t>Sample_identifier</a:t>
                       </a:r>
-                      <a:endParaRPr lang="en-US" sz="1000" b="1" i="0" dirty="0"/>
                     </a:p>
                   </a:txBody>
                   <a:tcPr>
@@ -3603,30 +3596,28 @@
                     <a:lstStyle/>
                     <a:p>
                       <a:r>
-                        <a:rPr lang="en-US" sz="1000" b="1" i="0" dirty="0" err="1"/>
+                        <a:rPr lang="en-US" sz="1000" b="1" i="0" dirty="0"/>
                         <a:t>Sample_replicate</a:t>
                       </a:r>
-                      <a:endParaRPr lang="en-US" sz="1000" b="1" i="0" dirty="0"/>
-                    </a:p>
-                  </a:txBody>
-                  <a:tcPr>
-                    <a:solidFill>
-                      <a:schemeClr val="bg1">
-                        <a:lumMod val="95000"/>
-                      </a:schemeClr>
-                    </a:solidFill>
-                  </a:tcPr>
-                </a:tc>
-                <a:tc>
-                  <a:txBody>
-                    <a:bodyPr/>
-                    <a:lstStyle/>
-                    <a:p>
-                      <a:r>
-                        <a:rPr lang="en-US" sz="1000" b="1" i="0" dirty="0" err="1"/>
+                    </a:p>
+                  </a:txBody>
+                  <a:tcPr>
+                    <a:solidFill>
+                      <a:schemeClr val="bg1">
+                        <a:lumMod val="95000"/>
+                      </a:schemeClr>
+                    </a:solidFill>
+                  </a:tcPr>
+                </a:tc>
+                <a:tc>
+                  <a:txBody>
+                    <a:bodyPr/>
+                    <a:lstStyle/>
+                    <a:p>
+                      <a:r>
+                        <a:rPr lang="en-US" sz="1000" b="1" i="0" dirty="0"/>
                         <a:t>Sample_replicate_technical</a:t>
                       </a:r>
-                      <a:endParaRPr lang="en-US" sz="1000" b="1" i="0" dirty="0"/>
                     </a:p>
                   </a:txBody>
                   <a:tcPr>
@@ -3681,10 +3672,9 @@
                     <a:lstStyle/>
                     <a:p>
                       <a:r>
-                        <a:rPr lang="en-US" sz="1000" b="1" i="0" dirty="0" err="1"/>
+                        <a:rPr lang="en-US" sz="1000" b="1" i="0" dirty="0"/>
                         <a:t>Func_cat</a:t>
                       </a:r>
-                      <a:endParaRPr lang="en-US" sz="1000" b="1" i="0" dirty="0"/>
                     </a:p>
                   </a:txBody>
                   <a:tcPr>
@@ -3796,10 +3786,9 @@
                     <a:lstStyle/>
                     <a:p>
                       <a:r>
-                        <a:rPr lang="en-US" sz="1000" b="1" i="0" dirty="0" err="1"/>
+                        <a:rPr lang="en-US" sz="1000" b="1" i="0" dirty="0"/>
                         <a:t>Chain_sums</a:t>
                       </a:r>
-                      <a:endParaRPr lang="en-US" sz="1000" b="1" i="0" dirty="0"/>
                     </a:p>
                   </a:txBody>
                   <a:tcPr>
@@ -4004,13 +3993,8 @@
                     <a:p>
                       <a:r>
                         <a:rPr lang="en-US" sz="900" dirty="0"/>
-                        <a:t>Individual lipid species total chain </a:t>
-                      </a:r>
-                      <a:r>
-                        <a:rPr lang="en-US" sz="900" dirty="0" err="1"/>
-                        <a:t>lengt:db;oh</a:t>
-                      </a:r>
-                      <a:endParaRPr lang="en-US" sz="900" dirty="0"/>
+                        <a:t>Individual lipid species total chain lengt:db;oh</a:t>
+                      </a:r>
                     </a:p>
                   </a:txBody>
                   <a:tcPr>
@@ -4187,10 +4171,9 @@
                     <a:lstStyle/>
                     <a:p>
                       <a:r>
-                        <a:rPr lang="en-US" sz="900" dirty="0" err="1"/>
+                        <a:rPr lang="en-US" sz="900" dirty="0"/>
                         <a:t>Length:db;oh</a:t>
                       </a:r>
-                      <a:endParaRPr lang="en-US" sz="900" dirty="0"/>
                     </a:p>
                   </a:txBody>
                   <a:tcPr>
@@ -4375,35 +4358,26 @@
                     <a:p>
                       <a:r>
                         <a:rPr lang="en-US" sz="1000" dirty="0"/>
-                        <a:t>05 - </a:t>
-                      </a:r>
-                      <a:r>
-                        <a:rPr lang="en-US" sz="1000" dirty="0" err="1"/>
-                        <a:t>WT_A_a</a:t>
-                      </a:r>
-                      <a:endParaRPr lang="en-US" sz="1000" dirty="0"/>
-                    </a:p>
-                  </a:txBody>
-                  <a:tcPr>
-                    <a:solidFill>
-                      <a:schemeClr val="bg1">
-                        <a:lumMod val="95000"/>
-                      </a:schemeClr>
-                    </a:solidFill>
-                  </a:tcPr>
-                </a:tc>
-                <a:tc>
-                  <a:txBody>
-                    <a:bodyPr/>
-                    <a:lstStyle/>
-                    <a:p>
-                      <a:r>
-                        <a:rPr lang="en-US" sz="1000" dirty="0" err="1"/>
-                        <a:t>Cer</a:t>
-                      </a:r>
+                        <a:t>05 - WT_A_a</a:t>
+                      </a:r>
+                    </a:p>
+                  </a:txBody>
+                  <a:tcPr>
+                    <a:solidFill>
+                      <a:schemeClr val="bg1">
+                        <a:lumMod val="95000"/>
+                      </a:schemeClr>
+                    </a:solidFill>
+                  </a:tcPr>
+                </a:tc>
+                <a:tc>
+                  <a:txBody>
+                    <a:bodyPr/>
+                    <a:lstStyle/>
+                    <a:p>
                       <a:r>
                         <a:rPr lang="en-US" sz="1000" dirty="0"/>
-                        <a:t> 38:0;4</a:t>
+                        <a:t>Cer 38:0;4</a:t>
                       </a:r>
                     </a:p>
                   </a:txBody>
@@ -4459,10 +4433,9 @@
                     <a:lstStyle/>
                     <a:p>
                       <a:r>
-                        <a:rPr lang="en-US" sz="1000" dirty="0" err="1"/>
+                        <a:rPr lang="en-US" sz="1000" dirty="0"/>
                         <a:t>Cer</a:t>
                       </a:r>
-                      <a:endParaRPr lang="en-US" sz="1000" dirty="0"/>
                     </a:p>
                   </a:txBody>
                   <a:tcPr>
@@ -4707,7 +4680,9 @@
                   </a:txBody>
                   <a:tcPr>
                     <a:solidFill>
-                      <a:schemeClr val="accent6"/>
+                      <a:schemeClr val="accent6">
+                        <a:lumMod val="50000"/>
+                      </a:schemeClr>
                     </a:solidFill>
                   </a:tcPr>
                 </a:tc>
@@ -4756,8 +4731,8 @@
                   <a:tcPr>
                     <a:solidFill>
                       <a:schemeClr val="accent6">
-                        <a:lumMod val="40000"/>
-                        <a:lumOff val="60000"/>
+                        <a:lumMod val="60000"/>
+                        <a:lumOff val="40000"/>
                       </a:schemeClr>
                     </a:solidFill>
                   </a:tcPr>
@@ -4824,8 +4799,7 @@
                   <a:tcPr>
                     <a:solidFill>
                       <a:schemeClr val="accent6">
-                        <a:lumMod val="40000"/>
-                        <a:lumOff val="60000"/>
+                        <a:lumMod val="75000"/>
                       </a:schemeClr>
                     </a:solidFill>
                   </a:tcPr>
@@ -4841,8 +4815,7 @@
                   <a:tcPr>
                     <a:solidFill>
                       <a:schemeClr val="accent6">
-                        <a:lumMod val="40000"/>
-                        <a:lumOff val="60000"/>
+                        <a:lumMod val="75000"/>
                       </a:schemeClr>
                     </a:solidFill>
                   </a:tcPr>
@@ -4873,10 +4846,10 @@
       </p:graphicFrame>
       <p:sp>
         <p:nvSpPr>
-          <p:cNvPr id="5" name="TextBox 4">
+          <p:cNvPr id="3" name="TextBox 2">
             <a:extLst>
               <a:ext uri="{FF2B5EF4-FFF2-40B4-BE49-F238E27FC236}">
-                <a16:creationId xmlns:a16="http://schemas.microsoft.com/office/drawing/2014/main" id="{942E3B66-804A-4C19-9286-F1E525B24574}"/>
+                <a16:creationId xmlns:a16="http://schemas.microsoft.com/office/drawing/2014/main" id="{D39E049E-D86D-4E41-9BF3-1F2EC2B428FB}"/>
               </a:ext>
             </a:extLst>
           </p:cNvPr>
@@ -4885,8 +4858,8 @@
         </p:nvSpPr>
         <p:spPr>
           <a:xfrm>
-            <a:off x="406400" y="762000"/>
-            <a:ext cx="2418080" cy="369332"/>
+            <a:off x="406397" y="3021689"/>
+            <a:ext cx="10830563" cy="3693319"/>
           </a:xfrm>
           <a:prstGeom prst="rect">
             <a:avLst/>
@@ -4900,8 +4873,181 @@
           <a:lstStyle/>
           <a:p>
             <a:r>
+              <a:rPr lang="en-US" b="1" dirty="0"/>
+              <a:t>Key insights for grouping and summarizing:</a:t>
+            </a:r>
+          </a:p>
+          <a:p>
+            <a:pPr marL="285750" indent="-285750">
+              <a:buClr>
+                <a:schemeClr val="bg1">
+                  <a:lumMod val="50000"/>
+                </a:schemeClr>
+              </a:buClr>
+              <a:buFont typeface="Arial" panose="020B0604020202020204" pitchFamily="34" charset="0"/>
+              <a:buChar char="•"/>
+            </a:pPr>
+            <a:r>
               <a:rPr lang="en-US" dirty="0"/>
-              <a:t>Features</a:t>
+              <a:t>ID only 1 per dataset</a:t>
+            </a:r>
+          </a:p>
+          <a:p>
+            <a:pPr marL="285750" indent="-285750">
+              <a:buClr>
+                <a:schemeClr val="bg1">
+                  <a:lumMod val="50000"/>
+                </a:schemeClr>
+              </a:buClr>
+              <a:buFont typeface="Arial" panose="020B0604020202020204" pitchFamily="34" charset="0"/>
+              <a:buChar char="•"/>
+            </a:pPr>
+            <a:r>
+              <a:rPr lang="en-US" dirty="0" err="1"/>
+              <a:t>Sample_identifier</a:t>
+            </a:r>
+            <a:r>
+              <a:rPr lang="en-US" dirty="0"/>
+              <a:t> is a short form of </a:t>
+            </a:r>
+            <a:r>
+              <a:rPr lang="en-US" dirty="0" err="1"/>
+              <a:t>Sample_replicate_technical</a:t>
+            </a:r>
+            <a:r>
+              <a:rPr lang="en-US" dirty="0"/>
+              <a:t>, both the most basic unit of samples</a:t>
+            </a:r>
+          </a:p>
+          <a:p>
+            <a:pPr marL="285750" indent="-285750">
+              <a:buClr>
+                <a:schemeClr val="bg1">
+                  <a:lumMod val="50000"/>
+                </a:schemeClr>
+              </a:buClr>
+              <a:buFont typeface="Arial" panose="020B0604020202020204" pitchFamily="34" charset="0"/>
+              <a:buChar char="•"/>
+            </a:pPr>
+            <a:r>
+              <a:rPr lang="en-US" dirty="0"/>
+              <a:t>Technical replicates will be averaged into sample replicates</a:t>
+            </a:r>
+          </a:p>
+          <a:p>
+            <a:pPr marL="285750" indent="-285750">
+              <a:buClr>
+                <a:schemeClr val="bg1">
+                  <a:lumMod val="50000"/>
+                </a:schemeClr>
+              </a:buClr>
+              <a:buFont typeface="Arial" panose="020B0604020202020204" pitchFamily="34" charset="0"/>
+              <a:buChar char="•"/>
+            </a:pPr>
+            <a:r>
+              <a:rPr lang="en-US" dirty="0"/>
+              <a:t>Sample replicates can be averaged into samples for </a:t>
+            </a:r>
+            <a:r>
+              <a:rPr lang="en-US" dirty="0" err="1"/>
+              <a:t>barplots</a:t>
+            </a:r>
+            <a:endParaRPr lang="en-US" dirty="0"/>
+          </a:p>
+          <a:p>
+            <a:pPr marL="285750" indent="-285750">
+              <a:buClr>
+                <a:schemeClr val="bg1">
+                  <a:lumMod val="50000"/>
+                </a:schemeClr>
+              </a:buClr>
+              <a:buFont typeface="Arial" panose="020B0604020202020204" pitchFamily="34" charset="0"/>
+              <a:buChar char="•"/>
+            </a:pPr>
+            <a:endParaRPr lang="en-US" dirty="0"/>
+          </a:p>
+          <a:p>
+            <a:pPr marL="285750" indent="-285750">
+              <a:buClr>
+                <a:schemeClr val="bg1">
+                  <a:lumMod val="50000"/>
+                </a:schemeClr>
+              </a:buClr>
+              <a:buFont typeface="Arial" panose="020B0604020202020204" pitchFamily="34" charset="0"/>
+              <a:buChar char="•"/>
+            </a:pPr>
+            <a:r>
+              <a:rPr lang="en-US" dirty="0"/>
+              <a:t>Lipid (species) is the most basic feature of each measurement: there is never more than 1 value per lipid in each sample replicate</a:t>
+            </a:r>
+          </a:p>
+          <a:p>
+            <a:pPr marL="285750" indent="-285750">
+              <a:buClr>
+                <a:schemeClr val="bg1">
+                  <a:lumMod val="50000"/>
+                </a:schemeClr>
+              </a:buClr>
+              <a:buFont typeface="Arial" panose="020B0604020202020204" pitchFamily="34" charset="0"/>
+              <a:buChar char="•"/>
+            </a:pPr>
+            <a:r>
+              <a:rPr lang="en-US" dirty="0"/>
+              <a:t>Chains (includes prefixes like O-), </a:t>
+            </a:r>
+            <a:r>
+              <a:rPr lang="en-US" dirty="0" err="1"/>
+              <a:t>chain_sums</a:t>
+            </a:r>
+            <a:r>
+              <a:rPr lang="en-US" dirty="0"/>
+              <a:t> (no prefix, thus less specific) and length are not unique but more specific than other features: the broadest features are Category, Functional category, double bonds and hydroxylation, all encompassing multiple lipids</a:t>
+            </a:r>
+          </a:p>
+          <a:p>
+            <a:pPr marL="285750" indent="-285750">
+              <a:buClr>
+                <a:schemeClr val="bg1">
+                  <a:lumMod val="50000"/>
+                </a:schemeClr>
+              </a:buClr>
+              <a:buFont typeface="Arial" panose="020B0604020202020204" pitchFamily="34" charset="0"/>
+              <a:buChar char="•"/>
+            </a:pPr>
+            <a:r>
+              <a:rPr lang="en-US" dirty="0"/>
+              <a:t>Each lipid class encompasses multiple lipids but is more specific than categories, </a:t>
+            </a:r>
+            <a:r>
+              <a:rPr lang="en-US" dirty="0" err="1"/>
+              <a:t>db</a:t>
+            </a:r>
+            <a:r>
+              <a:rPr lang="en-US" dirty="0"/>
+              <a:t> and oh.</a:t>
+            </a:r>
+          </a:p>
+          <a:p>
+            <a:pPr marL="285750" indent="-285750">
+              <a:buClr>
+                <a:schemeClr val="bg1">
+                  <a:lumMod val="50000"/>
+                </a:schemeClr>
+              </a:buClr>
+              <a:buFont typeface="Arial" panose="020B0604020202020204" pitchFamily="34" charset="0"/>
+              <a:buChar char="•"/>
+            </a:pPr>
+            <a:r>
+              <a:rPr lang="en-US" dirty="0"/>
+              <a:t>A combination of class and chains/</a:t>
+            </a:r>
+            <a:r>
+              <a:rPr lang="en-US" dirty="0" err="1"/>
+              <a:t>chain_sums</a:t>
+            </a:r>
+            <a:r>
+              <a:rPr lang="en-US" dirty="0"/>
+              <a:t> is unique per sample rep.</a:t>
             </a:r>
           </a:p>
         </p:txBody>
@@ -4910,6 +5056,1642 @@
     <p:extLst>
       <p:ext uri="{BB962C8B-B14F-4D97-AF65-F5344CB8AC3E}">
         <p14:creationId xmlns:p14="http://schemas.microsoft.com/office/powerpoint/2010/main" val="3257277638"/>
+      </p:ext>
+    </p:extLst>
+  </p:cSld>
+  <p:clrMapOvr>
+    <a:masterClrMapping/>
+  </p:clrMapOvr>
+</p:sld>
+</file>
+
+<file path=ppt/slides/slide2.xml><?xml version="1.0" encoding="utf-8"?>
+<p:sld xmlns:a="http://schemas.openxmlformats.org/drawingml/2006/main" xmlns:r="http://schemas.openxmlformats.org/officeDocument/2006/relationships" xmlns:p="http://schemas.openxmlformats.org/presentationml/2006/main">
+  <p:cSld>
+    <p:spTree>
+      <p:nvGrpSpPr>
+        <p:cNvPr id="1" name=""/>
+        <p:cNvGrpSpPr/>
+        <p:nvPr/>
+      </p:nvGrpSpPr>
+      <p:grpSpPr>
+        <a:xfrm>
+          <a:off x="0" y="0"/>
+          <a:ext cx="0" cy="0"/>
+          <a:chOff x="0" y="0"/>
+          <a:chExt cx="0" cy="0"/>
+        </a:xfrm>
+      </p:grpSpPr>
+      <p:sp>
+        <p:nvSpPr>
+          <p:cNvPr id="2" name="Title 1">
+            <a:extLst>
+              <a:ext uri="{FF2B5EF4-FFF2-40B4-BE49-F238E27FC236}">
+                <a16:creationId xmlns:a16="http://schemas.microsoft.com/office/drawing/2014/main" id="{18B169F4-9BF3-4B59-908D-9A67AD5A700C}"/>
+              </a:ext>
+            </a:extLst>
+          </p:cNvPr>
+          <p:cNvSpPr>
+            <a:spLocks noGrp="1"/>
+          </p:cNvSpPr>
+          <p:nvPr>
+            <p:ph type="ctrTitle"/>
+          </p:nvPr>
+        </p:nvSpPr>
+        <p:spPr>
+          <a:xfrm>
+            <a:off x="1524000" y="91441"/>
+            <a:ext cx="9144000" cy="670559"/>
+          </a:xfrm>
+        </p:spPr>
+        <p:txBody>
+          <a:bodyPr>
+            <a:normAutofit/>
+          </a:bodyPr>
+          <a:lstStyle/>
+          <a:p>
+            <a:r>
+              <a:rPr lang="en-US" sz="3600" dirty="0"/>
+              <a:t>Hierarchy of lipidomics features</a:t>
+            </a:r>
+          </a:p>
+        </p:txBody>
+      </p:sp>
+      <p:graphicFrame>
+        <p:nvGraphicFramePr>
+          <p:cNvPr id="4" name="Table 3">
+            <a:extLst>
+              <a:ext uri="{FF2B5EF4-FFF2-40B4-BE49-F238E27FC236}">
+                <a16:creationId xmlns:a16="http://schemas.microsoft.com/office/drawing/2014/main" id="{24E822CD-8C23-4498-90BC-C30AD5C70FE1}"/>
+              </a:ext>
+            </a:extLst>
+          </p:cNvPr>
+          <p:cNvGraphicFramePr>
+            <a:graphicFrameLocks noGrp="1"/>
+          </p:cNvGraphicFramePr>
+          <p:nvPr>
+            <p:extLst/>
+          </p:nvPr>
+        </p:nvGraphicFramePr>
+        <p:xfrm>
+          <a:off x="406397" y="762000"/>
+          <a:ext cx="11563930" cy="2259689"/>
+        </p:xfrm>
+        <a:graphic>
+          <a:graphicData uri="http://schemas.openxmlformats.org/drawingml/2006/table">
+            <a:tbl>
+              <a:tblPr>
+                <a:tableStyleId>{5C22544A-7EE6-4342-B048-85BDC9FD1C3A}</a:tableStyleId>
+              </a:tblPr>
+              <a:tblGrid>
+                <a:gridCol w="811486">
+                  <a:extLst>
+                    <a:ext uri="{9D8B030D-6E8A-4147-A177-3AD203B41FA5}">
+                      <a16:colId xmlns:a16="http://schemas.microsoft.com/office/drawing/2014/main" val="4074859653"/>
+                    </a:ext>
+                  </a:extLst>
+                </a:gridCol>
+                <a:gridCol w="746227">
+                  <a:extLst>
+                    <a:ext uri="{9D8B030D-6E8A-4147-A177-3AD203B41FA5}">
+                      <a16:colId xmlns:a16="http://schemas.microsoft.com/office/drawing/2014/main" val="3784347487"/>
+                    </a:ext>
+                  </a:extLst>
+                </a:gridCol>
+                <a:gridCol w="581509">
+                  <a:extLst>
+                    <a:ext uri="{9D8B030D-6E8A-4147-A177-3AD203B41FA5}">
+                      <a16:colId xmlns:a16="http://schemas.microsoft.com/office/drawing/2014/main" val="3880342993"/>
+                    </a:ext>
+                  </a:extLst>
+                </a:gridCol>
+                <a:gridCol w="713073">
+                  <a:extLst>
+                    <a:ext uri="{9D8B030D-6E8A-4147-A177-3AD203B41FA5}">
+                      <a16:colId xmlns:a16="http://schemas.microsoft.com/office/drawing/2014/main" val="2085764011"/>
+                    </a:ext>
+                  </a:extLst>
+                </a:gridCol>
+                <a:gridCol w="713073">
+                  <a:extLst>
+                    <a:ext uri="{9D8B030D-6E8A-4147-A177-3AD203B41FA5}">
+                      <a16:colId xmlns:a16="http://schemas.microsoft.com/office/drawing/2014/main" val="3657234814"/>
+                    </a:ext>
+                  </a:extLst>
+                </a:gridCol>
+                <a:gridCol w="713073">
+                  <a:extLst>
+                    <a:ext uri="{9D8B030D-6E8A-4147-A177-3AD203B41FA5}">
+                      <a16:colId xmlns:a16="http://schemas.microsoft.com/office/drawing/2014/main" val="824243039"/>
+                    </a:ext>
+                  </a:extLst>
+                </a:gridCol>
+                <a:gridCol w="691689">
+                  <a:extLst>
+                    <a:ext uri="{9D8B030D-6E8A-4147-A177-3AD203B41FA5}">
+                      <a16:colId xmlns:a16="http://schemas.microsoft.com/office/drawing/2014/main" val="3005415002"/>
+                    </a:ext>
+                  </a:extLst>
+                </a:gridCol>
+                <a:gridCol w="734458">
+                  <a:extLst>
+                    <a:ext uri="{9D8B030D-6E8A-4147-A177-3AD203B41FA5}">
+                      <a16:colId xmlns:a16="http://schemas.microsoft.com/office/drawing/2014/main" val="1677126805"/>
+                    </a:ext>
+                  </a:extLst>
+                </a:gridCol>
+                <a:gridCol w="713073">
+                  <a:extLst>
+                    <a:ext uri="{9D8B030D-6E8A-4147-A177-3AD203B41FA5}">
+                      <a16:colId xmlns:a16="http://schemas.microsoft.com/office/drawing/2014/main" val="3108835995"/>
+                    </a:ext>
+                  </a:extLst>
+                </a:gridCol>
+                <a:gridCol w="713073">
+                  <a:extLst>
+                    <a:ext uri="{9D8B030D-6E8A-4147-A177-3AD203B41FA5}">
+                      <a16:colId xmlns:a16="http://schemas.microsoft.com/office/drawing/2014/main" val="1609833009"/>
+                    </a:ext>
+                  </a:extLst>
+                </a:gridCol>
+                <a:gridCol w="713073">
+                  <a:extLst>
+                    <a:ext uri="{9D8B030D-6E8A-4147-A177-3AD203B41FA5}">
+                      <a16:colId xmlns:a16="http://schemas.microsoft.com/office/drawing/2014/main" val="22576411"/>
+                    </a:ext>
+                  </a:extLst>
+                </a:gridCol>
+                <a:gridCol w="713073">
+                  <a:extLst>
+                    <a:ext uri="{9D8B030D-6E8A-4147-A177-3AD203B41FA5}">
+                      <a16:colId xmlns:a16="http://schemas.microsoft.com/office/drawing/2014/main" val="2641927072"/>
+                    </a:ext>
+                  </a:extLst>
+                </a:gridCol>
+                <a:gridCol w="713073">
+                  <a:extLst>
+                    <a:ext uri="{9D8B030D-6E8A-4147-A177-3AD203B41FA5}">
+                      <a16:colId xmlns:a16="http://schemas.microsoft.com/office/drawing/2014/main" val="3433233119"/>
+                    </a:ext>
+                  </a:extLst>
+                </a:gridCol>
+                <a:gridCol w="713073">
+                  <a:extLst>
+                    <a:ext uri="{9D8B030D-6E8A-4147-A177-3AD203B41FA5}">
+                      <a16:colId xmlns:a16="http://schemas.microsoft.com/office/drawing/2014/main" val="3274391898"/>
+                    </a:ext>
+                  </a:extLst>
+                </a:gridCol>
+                <a:gridCol w="713073">
+                  <a:extLst>
+                    <a:ext uri="{9D8B030D-6E8A-4147-A177-3AD203B41FA5}">
+                      <a16:colId xmlns:a16="http://schemas.microsoft.com/office/drawing/2014/main" val="1456202546"/>
+                    </a:ext>
+                  </a:extLst>
+                </a:gridCol>
+                <a:gridCol w="867831">
+                  <a:extLst>
+                    <a:ext uri="{9D8B030D-6E8A-4147-A177-3AD203B41FA5}">
+                      <a16:colId xmlns:a16="http://schemas.microsoft.com/office/drawing/2014/main" val="2499371568"/>
+                    </a:ext>
+                  </a:extLst>
+                </a:gridCol>
+              </a:tblGrid>
+              <a:tr h="481447">
+                <a:tc>
+                  <a:txBody>
+                    <a:bodyPr/>
+                    <a:lstStyle/>
+                    <a:p>
+                      <a:r>
+                        <a:rPr lang="en-US" sz="1000" b="1" dirty="0">
+                          <a:solidFill>
+                            <a:schemeClr val="tx1">
+                              <a:lumMod val="50000"/>
+                              <a:lumOff val="50000"/>
+                            </a:schemeClr>
+                          </a:solidFill>
+                        </a:rPr>
+                        <a:t>Feature</a:t>
+                      </a:r>
+                    </a:p>
+                  </a:txBody>
+                  <a:tcPr>
+                    <a:solidFill>
+                      <a:schemeClr val="bg1">
+                        <a:lumMod val="95000"/>
+                      </a:schemeClr>
+                    </a:solidFill>
+                  </a:tcPr>
+                </a:tc>
+                <a:tc>
+                  <a:txBody>
+                    <a:bodyPr/>
+                    <a:lstStyle/>
+                    <a:p>
+                      <a:r>
+                        <a:rPr lang="en-US" sz="1000" b="1" i="0" dirty="0"/>
+                        <a:t>ID</a:t>
+                      </a:r>
+                    </a:p>
+                  </a:txBody>
+                  <a:tcPr>
+                    <a:solidFill>
+                      <a:schemeClr val="bg1">
+                        <a:lumMod val="95000"/>
+                      </a:schemeClr>
+                    </a:solidFill>
+                  </a:tcPr>
+                </a:tc>
+                <a:tc>
+                  <a:txBody>
+                    <a:bodyPr/>
+                    <a:lstStyle/>
+                    <a:p>
+                      <a:r>
+                        <a:rPr lang="en-US" sz="1000" b="1" i="0" dirty="0"/>
+                        <a:t>Sample_identifier</a:t>
+                      </a:r>
+                    </a:p>
+                  </a:txBody>
+                  <a:tcPr>
+                    <a:solidFill>
+                      <a:schemeClr val="bg1">
+                        <a:lumMod val="95000"/>
+                      </a:schemeClr>
+                    </a:solidFill>
+                  </a:tcPr>
+                </a:tc>
+                <a:tc>
+                  <a:txBody>
+                    <a:bodyPr/>
+                    <a:lstStyle/>
+                    <a:p>
+                      <a:r>
+                        <a:rPr lang="en-US" sz="1000" b="1" i="0" dirty="0"/>
+                        <a:t>Sample</a:t>
+                      </a:r>
+                    </a:p>
+                  </a:txBody>
+                  <a:tcPr>
+                    <a:solidFill>
+                      <a:schemeClr val="bg1">
+                        <a:lumMod val="95000"/>
+                      </a:schemeClr>
+                    </a:solidFill>
+                  </a:tcPr>
+                </a:tc>
+                <a:tc>
+                  <a:txBody>
+                    <a:bodyPr/>
+                    <a:lstStyle/>
+                    <a:p>
+                      <a:r>
+                        <a:rPr lang="en-US" sz="1000" b="1" i="0" dirty="0"/>
+                        <a:t>Sample_replicate</a:t>
+                      </a:r>
+                    </a:p>
+                  </a:txBody>
+                  <a:tcPr>
+                    <a:solidFill>
+                      <a:schemeClr val="bg1">
+                        <a:lumMod val="95000"/>
+                      </a:schemeClr>
+                    </a:solidFill>
+                  </a:tcPr>
+                </a:tc>
+                <a:tc>
+                  <a:txBody>
+                    <a:bodyPr/>
+                    <a:lstStyle/>
+                    <a:p>
+                      <a:r>
+                        <a:rPr lang="en-US" sz="1000" b="1" i="0" dirty="0"/>
+                        <a:t>Sample_replicate_technical</a:t>
+                      </a:r>
+                    </a:p>
+                  </a:txBody>
+                  <a:tcPr>
+                    <a:solidFill>
+                      <a:schemeClr val="bg1">
+                        <a:lumMod val="95000"/>
+                      </a:schemeClr>
+                    </a:solidFill>
+                  </a:tcPr>
+                </a:tc>
+                <a:tc>
+                  <a:txBody>
+                    <a:bodyPr/>
+                    <a:lstStyle/>
+                    <a:p>
+                      <a:r>
+                        <a:rPr lang="en-US" sz="1000" b="1" i="0" dirty="0"/>
+                        <a:t>Lipid</a:t>
+                      </a:r>
+                    </a:p>
+                  </a:txBody>
+                  <a:tcPr>
+                    <a:solidFill>
+                      <a:schemeClr val="bg1">
+                        <a:lumMod val="95000"/>
+                      </a:schemeClr>
+                    </a:solidFill>
+                  </a:tcPr>
+                </a:tc>
+                <a:tc>
+                  <a:txBody>
+                    <a:bodyPr/>
+                    <a:lstStyle/>
+                    <a:p>
+                      <a:r>
+                        <a:rPr lang="en-US" sz="1000" b="1" i="0" dirty="0"/>
+                        <a:t>Category</a:t>
+                      </a:r>
+                    </a:p>
+                  </a:txBody>
+                  <a:tcPr>
+                    <a:solidFill>
+                      <a:schemeClr val="bg1">
+                        <a:lumMod val="95000"/>
+                      </a:schemeClr>
+                    </a:solidFill>
+                  </a:tcPr>
+                </a:tc>
+                <a:tc>
+                  <a:txBody>
+                    <a:bodyPr/>
+                    <a:lstStyle/>
+                    <a:p>
+                      <a:r>
+                        <a:rPr lang="en-US" sz="1000" b="1" i="0" dirty="0"/>
+                        <a:t>Func_cat</a:t>
+                      </a:r>
+                    </a:p>
+                  </a:txBody>
+                  <a:tcPr>
+                    <a:solidFill>
+                      <a:schemeClr val="bg1">
+                        <a:lumMod val="95000"/>
+                      </a:schemeClr>
+                    </a:solidFill>
+                  </a:tcPr>
+                </a:tc>
+                <a:tc>
+                  <a:txBody>
+                    <a:bodyPr/>
+                    <a:lstStyle/>
+                    <a:p>
+                      <a:r>
+                        <a:rPr lang="en-US" sz="1000" b="1" i="0" dirty="0"/>
+                        <a:t>Class</a:t>
+                      </a:r>
+                    </a:p>
+                  </a:txBody>
+                  <a:tcPr>
+                    <a:solidFill>
+                      <a:schemeClr val="bg1">
+                        <a:lumMod val="95000"/>
+                      </a:schemeClr>
+                    </a:solidFill>
+                  </a:tcPr>
+                </a:tc>
+                <a:tc>
+                  <a:txBody>
+                    <a:bodyPr/>
+                    <a:lstStyle/>
+                    <a:p>
+                      <a:r>
+                        <a:rPr lang="en-US" sz="1000" b="1" i="0" dirty="0"/>
+                        <a:t>Length</a:t>
+                      </a:r>
+                    </a:p>
+                  </a:txBody>
+                  <a:tcPr>
+                    <a:solidFill>
+                      <a:schemeClr val="bg1">
+                        <a:lumMod val="95000"/>
+                      </a:schemeClr>
+                    </a:solidFill>
+                  </a:tcPr>
+                </a:tc>
+                <a:tc>
+                  <a:txBody>
+                    <a:bodyPr/>
+                    <a:lstStyle/>
+                    <a:p>
+                      <a:r>
+                        <a:rPr lang="en-US" sz="1000" b="1" i="0" dirty="0"/>
+                        <a:t>Db</a:t>
+                      </a:r>
+                    </a:p>
+                  </a:txBody>
+                  <a:tcPr>
+                    <a:solidFill>
+                      <a:schemeClr val="bg1">
+                        <a:lumMod val="95000"/>
+                      </a:schemeClr>
+                    </a:solidFill>
+                  </a:tcPr>
+                </a:tc>
+                <a:tc>
+                  <a:txBody>
+                    <a:bodyPr/>
+                    <a:lstStyle/>
+                    <a:p>
+                      <a:r>
+                        <a:rPr lang="en-US" sz="1000" b="1" i="0" dirty="0"/>
+                        <a:t>Oh</a:t>
+                      </a:r>
+                    </a:p>
+                  </a:txBody>
+                  <a:tcPr>
+                    <a:solidFill>
+                      <a:schemeClr val="bg1">
+                        <a:lumMod val="95000"/>
+                      </a:schemeClr>
+                    </a:solidFill>
+                  </a:tcPr>
+                </a:tc>
+                <a:tc>
+                  <a:txBody>
+                    <a:bodyPr/>
+                    <a:lstStyle/>
+                    <a:p>
+                      <a:r>
+                        <a:rPr lang="en-US" sz="1000" b="1" i="0" dirty="0"/>
+                        <a:t>Chains</a:t>
+                      </a:r>
+                    </a:p>
+                  </a:txBody>
+                  <a:tcPr>
+                    <a:solidFill>
+                      <a:schemeClr val="bg1">
+                        <a:lumMod val="95000"/>
+                      </a:schemeClr>
+                    </a:solidFill>
+                  </a:tcPr>
+                </a:tc>
+                <a:tc>
+                  <a:txBody>
+                    <a:bodyPr/>
+                    <a:lstStyle/>
+                    <a:p>
+                      <a:r>
+                        <a:rPr lang="en-US" sz="1000" b="1" i="0" dirty="0"/>
+                        <a:t>Chain_sums</a:t>
+                      </a:r>
+                    </a:p>
+                  </a:txBody>
+                  <a:tcPr>
+                    <a:solidFill>
+                      <a:schemeClr val="bg1">
+                        <a:lumMod val="95000"/>
+                      </a:schemeClr>
+                    </a:solidFill>
+                  </a:tcPr>
+                </a:tc>
+                <a:tc>
+                  <a:txBody>
+                    <a:bodyPr/>
+                    <a:lstStyle/>
+                    <a:p>
+                      <a:r>
+                        <a:rPr lang="en-US" sz="1000" b="1" i="0" dirty="0"/>
+                        <a:t>Value</a:t>
+                      </a:r>
+                    </a:p>
+                  </a:txBody>
+                  <a:tcPr>
+                    <a:solidFill>
+                      <a:schemeClr val="bg1">
+                        <a:lumMod val="95000"/>
+                      </a:schemeClr>
+                    </a:solidFill>
+                  </a:tcPr>
+                </a:tc>
+                <a:extLst>
+                  <a:ext uri="{0D108BD9-81ED-4DB2-BD59-A6C34878D82A}">
+                    <a16:rowId xmlns:a16="http://schemas.microsoft.com/office/drawing/2014/main" val="2111290596"/>
+                  </a:ext>
+                </a:extLst>
+              </a:tr>
+              <a:tr h="1016389">
+                <a:tc>
+                  <a:txBody>
+                    <a:bodyPr/>
+                    <a:lstStyle/>
+                    <a:p>
+                      <a:r>
+                        <a:rPr lang="en-US" sz="1000" b="1" dirty="0">
+                          <a:solidFill>
+                            <a:schemeClr val="tx1">
+                              <a:lumMod val="50000"/>
+                              <a:lumOff val="50000"/>
+                            </a:schemeClr>
+                          </a:solidFill>
+                        </a:rPr>
+                        <a:t>Type</a:t>
+                      </a:r>
+                    </a:p>
+                  </a:txBody>
+                  <a:tcPr>
+                    <a:solidFill>
+                      <a:schemeClr val="bg1">
+                        <a:lumMod val="95000"/>
+                      </a:schemeClr>
+                    </a:solidFill>
+                  </a:tcPr>
+                </a:tc>
+                <a:tc>
+                  <a:txBody>
+                    <a:bodyPr/>
+                    <a:lstStyle/>
+                    <a:p>
+                      <a:r>
+                        <a:rPr lang="en-US" sz="900" dirty="0"/>
+                        <a:t>Id of dataset, 1 value</a:t>
+                      </a:r>
+                    </a:p>
+                  </a:txBody>
+                  <a:tcPr>
+                    <a:solidFill>
+                      <a:schemeClr val="bg1">
+                        <a:lumMod val="95000"/>
+                      </a:schemeClr>
+                    </a:solidFill>
+                  </a:tcPr>
+                </a:tc>
+                <a:tc>
+                  <a:txBody>
+                    <a:bodyPr/>
+                    <a:lstStyle/>
+                    <a:p>
+                      <a:r>
+                        <a:rPr lang="en-US" sz="900" dirty="0"/>
+                        <a:t>Unique per tech-rep</a:t>
+                      </a:r>
+                    </a:p>
+                  </a:txBody>
+                  <a:tcPr>
+                    <a:solidFill>
+                      <a:schemeClr val="bg1">
+                        <a:lumMod val="95000"/>
+                      </a:schemeClr>
+                    </a:solidFill>
+                  </a:tcPr>
+                </a:tc>
+                <a:tc>
+                  <a:txBody>
+                    <a:bodyPr/>
+                    <a:lstStyle/>
+                    <a:p>
+                      <a:r>
+                        <a:rPr lang="en-US" sz="900" dirty="0"/>
+                        <a:t>With description</a:t>
+                      </a:r>
+                    </a:p>
+                  </a:txBody>
+                  <a:tcPr>
+                    <a:solidFill>
+                      <a:schemeClr val="bg1">
+                        <a:lumMod val="95000"/>
+                      </a:schemeClr>
+                    </a:solidFill>
+                  </a:tcPr>
+                </a:tc>
+                <a:tc>
+                  <a:txBody>
+                    <a:bodyPr/>
+                    <a:lstStyle/>
+                    <a:p>
+                      <a:pPr marL="0" marR="0" lvl="0" indent="0" algn="l" defTabSz="914400" rtl="0" eaLnBrk="1" fontAlgn="auto" latinLnBrk="0" hangingPunct="1">
+                        <a:lnSpc>
+                          <a:spcPct val="100000"/>
+                        </a:lnSpc>
+                        <a:spcBef>
+                          <a:spcPts val="0"/>
+                        </a:spcBef>
+                        <a:spcAft>
+                          <a:spcPts val="0"/>
+                        </a:spcAft>
+                        <a:buClrTx/>
+                        <a:buSzTx/>
+                        <a:buFontTx/>
+                        <a:buNone/>
+                        <a:tabLst/>
+                        <a:defRPr/>
+                      </a:pPr>
+                      <a:r>
+                        <a:rPr lang="en-US" sz="900" dirty="0"/>
+                        <a:t>With description</a:t>
+                      </a:r>
+                    </a:p>
+                    <a:p>
+                      <a:endParaRPr lang="en-US" sz="900" dirty="0"/>
+                    </a:p>
+                  </a:txBody>
+                  <a:tcPr>
+                    <a:solidFill>
+                      <a:schemeClr val="bg1">
+                        <a:lumMod val="95000"/>
+                      </a:schemeClr>
+                    </a:solidFill>
+                  </a:tcPr>
+                </a:tc>
+                <a:tc>
+                  <a:txBody>
+                    <a:bodyPr/>
+                    <a:lstStyle/>
+                    <a:p>
+                      <a:pPr marL="0" marR="0" lvl="0" indent="0" algn="l" defTabSz="914400" rtl="0" eaLnBrk="1" fontAlgn="auto" latinLnBrk="0" hangingPunct="1">
+                        <a:lnSpc>
+                          <a:spcPct val="100000"/>
+                        </a:lnSpc>
+                        <a:spcBef>
+                          <a:spcPts val="0"/>
+                        </a:spcBef>
+                        <a:spcAft>
+                          <a:spcPts val="0"/>
+                        </a:spcAft>
+                        <a:buClrTx/>
+                        <a:buSzTx/>
+                        <a:buFontTx/>
+                        <a:buNone/>
+                        <a:tabLst/>
+                        <a:defRPr/>
+                      </a:pPr>
+                      <a:r>
+                        <a:rPr lang="en-US" sz="900" dirty="0"/>
+                        <a:t>With description</a:t>
+                      </a:r>
+                    </a:p>
+                    <a:p>
+                      <a:endParaRPr lang="en-US" sz="900" dirty="0"/>
+                    </a:p>
+                  </a:txBody>
+                  <a:tcPr>
+                    <a:solidFill>
+                      <a:schemeClr val="bg1">
+                        <a:lumMod val="95000"/>
+                      </a:schemeClr>
+                    </a:solidFill>
+                  </a:tcPr>
+                </a:tc>
+                <a:tc>
+                  <a:txBody>
+                    <a:bodyPr/>
+                    <a:lstStyle/>
+                    <a:p>
+                      <a:r>
+                        <a:rPr lang="en-US" sz="900" dirty="0"/>
+                        <a:t>Individual lipid species total chain lengt:db;oh</a:t>
+                      </a:r>
+                    </a:p>
+                  </a:txBody>
+                  <a:tcPr>
+                    <a:solidFill>
+                      <a:schemeClr val="bg1">
+                        <a:lumMod val="95000"/>
+                      </a:schemeClr>
+                    </a:solidFill>
+                  </a:tcPr>
+                </a:tc>
+                <a:tc>
+                  <a:txBody>
+                    <a:bodyPr/>
+                    <a:lstStyle/>
+                    <a:p>
+                      <a:r>
+                        <a:rPr lang="en-US" sz="900" dirty="0"/>
+                        <a:t>Classification of lipids (broad)</a:t>
+                      </a:r>
+                    </a:p>
+                  </a:txBody>
+                  <a:tcPr>
+                    <a:solidFill>
+                      <a:schemeClr val="bg1">
+                        <a:lumMod val="95000"/>
+                      </a:schemeClr>
+                    </a:solidFill>
+                  </a:tcPr>
+                </a:tc>
+                <a:tc>
+                  <a:txBody>
+                    <a:bodyPr/>
+                    <a:lstStyle/>
+                    <a:p>
+                      <a:pPr marL="0" marR="0" lvl="0" indent="0" algn="l" defTabSz="914400" rtl="0" eaLnBrk="1" fontAlgn="auto" latinLnBrk="0" hangingPunct="1">
+                        <a:lnSpc>
+                          <a:spcPct val="100000"/>
+                        </a:lnSpc>
+                        <a:spcBef>
+                          <a:spcPts val="0"/>
+                        </a:spcBef>
+                        <a:spcAft>
+                          <a:spcPts val="0"/>
+                        </a:spcAft>
+                        <a:buClrTx/>
+                        <a:buSzTx/>
+                        <a:buFontTx/>
+                        <a:buNone/>
+                        <a:tabLst/>
+                        <a:defRPr/>
+                      </a:pPr>
+                      <a:r>
+                        <a:rPr lang="en-US" sz="900" dirty="0"/>
+                        <a:t>Classification of lipids</a:t>
+                      </a:r>
+                    </a:p>
+                    <a:p>
+                      <a:r>
+                        <a:rPr lang="en-US" sz="900" dirty="0"/>
+                        <a:t>(broad)</a:t>
+                      </a:r>
+                    </a:p>
+                  </a:txBody>
+                  <a:tcPr>
+                    <a:solidFill>
+                      <a:schemeClr val="bg1">
+                        <a:lumMod val="95000"/>
+                      </a:schemeClr>
+                    </a:solidFill>
+                  </a:tcPr>
+                </a:tc>
+                <a:tc>
+                  <a:txBody>
+                    <a:bodyPr/>
+                    <a:lstStyle/>
+                    <a:p>
+                      <a:pPr marL="0" marR="0" lvl="0" indent="0" algn="l" defTabSz="914400" rtl="0" eaLnBrk="1" fontAlgn="auto" latinLnBrk="0" hangingPunct="1">
+                        <a:lnSpc>
+                          <a:spcPct val="100000"/>
+                        </a:lnSpc>
+                        <a:spcBef>
+                          <a:spcPts val="0"/>
+                        </a:spcBef>
+                        <a:spcAft>
+                          <a:spcPts val="0"/>
+                        </a:spcAft>
+                        <a:buClrTx/>
+                        <a:buSzTx/>
+                        <a:buFontTx/>
+                        <a:buNone/>
+                        <a:tabLst/>
+                        <a:defRPr/>
+                      </a:pPr>
+                      <a:r>
+                        <a:rPr lang="en-US" sz="900" dirty="0"/>
+                        <a:t>Classification of lipids</a:t>
+                      </a:r>
+                    </a:p>
+                    <a:p>
+                      <a:r>
+                        <a:rPr lang="en-US" sz="900" dirty="0"/>
+                        <a:t>(finest)</a:t>
+                      </a:r>
+                    </a:p>
+                  </a:txBody>
+                  <a:tcPr>
+                    <a:solidFill>
+                      <a:schemeClr val="bg1">
+                        <a:lumMod val="95000"/>
+                      </a:schemeClr>
+                    </a:solidFill>
+                  </a:tcPr>
+                </a:tc>
+                <a:tc>
+                  <a:txBody>
+                    <a:bodyPr/>
+                    <a:lstStyle/>
+                    <a:p>
+                      <a:r>
+                        <a:rPr lang="en-US" sz="900" dirty="0"/>
+                        <a:t>Length of chains</a:t>
+                      </a:r>
+                    </a:p>
+                  </a:txBody>
+                  <a:tcPr>
+                    <a:solidFill>
+                      <a:schemeClr val="bg1">
+                        <a:lumMod val="95000"/>
+                      </a:schemeClr>
+                    </a:solidFill>
+                  </a:tcPr>
+                </a:tc>
+                <a:tc>
+                  <a:txBody>
+                    <a:bodyPr/>
+                    <a:lstStyle/>
+                    <a:p>
+                      <a:r>
+                        <a:rPr lang="en-US" sz="900" dirty="0"/>
+                        <a:t>Double bonds</a:t>
+                      </a:r>
+                    </a:p>
+                  </a:txBody>
+                  <a:tcPr>
+                    <a:solidFill>
+                      <a:schemeClr val="bg1">
+                        <a:lumMod val="95000"/>
+                      </a:schemeClr>
+                    </a:solidFill>
+                  </a:tcPr>
+                </a:tc>
+                <a:tc>
+                  <a:txBody>
+                    <a:bodyPr/>
+                    <a:lstStyle/>
+                    <a:p>
+                      <a:r>
+                        <a:rPr lang="en-US" sz="900" dirty="0"/>
+                        <a:t>Hydroxylation</a:t>
+                      </a:r>
+                    </a:p>
+                  </a:txBody>
+                  <a:tcPr>
+                    <a:solidFill>
+                      <a:schemeClr val="bg1">
+                        <a:lumMod val="95000"/>
+                      </a:schemeClr>
+                    </a:solidFill>
+                  </a:tcPr>
+                </a:tc>
+                <a:tc>
+                  <a:txBody>
+                    <a:bodyPr/>
+                    <a:lstStyle/>
+                    <a:p>
+                      <a:r>
+                        <a:rPr lang="en-US" sz="900" dirty="0"/>
+                        <a:t>Length:db;oh</a:t>
+                      </a:r>
+                    </a:p>
+                  </a:txBody>
+                  <a:tcPr>
+                    <a:solidFill>
+                      <a:schemeClr val="bg1">
+                        <a:lumMod val="95000"/>
+                      </a:schemeClr>
+                    </a:solidFill>
+                  </a:tcPr>
+                </a:tc>
+                <a:tc>
+                  <a:txBody>
+                    <a:bodyPr/>
+                    <a:lstStyle/>
+                    <a:p>
+                      <a:r>
+                        <a:rPr lang="en-US" sz="900" dirty="0"/>
+                        <a:t>Sum of multiple sidechains (TAGs, TAGs)</a:t>
+                      </a:r>
+                    </a:p>
+                  </a:txBody>
+                  <a:tcPr>
+                    <a:solidFill>
+                      <a:schemeClr val="bg1">
+                        <a:lumMod val="95000"/>
+                      </a:schemeClr>
+                    </a:solidFill>
+                  </a:tcPr>
+                </a:tc>
+                <a:tc>
+                  <a:txBody>
+                    <a:bodyPr/>
+                    <a:lstStyle/>
+                    <a:p>
+                      <a:r>
+                        <a:rPr lang="en-US" sz="900" dirty="0"/>
+                        <a:t>µM</a:t>
+                      </a:r>
+                    </a:p>
+                  </a:txBody>
+                  <a:tcPr>
+                    <a:solidFill>
+                      <a:schemeClr val="bg1">
+                        <a:lumMod val="95000"/>
+                      </a:schemeClr>
+                    </a:solidFill>
+                  </a:tcPr>
+                </a:tc>
+                <a:extLst>
+                  <a:ext uri="{0D108BD9-81ED-4DB2-BD59-A6C34878D82A}">
+                    <a16:rowId xmlns:a16="http://schemas.microsoft.com/office/drawing/2014/main" val="655837242"/>
+                  </a:ext>
+                </a:extLst>
+              </a:tr>
+              <a:tr h="297619">
+                <a:tc>
+                  <a:txBody>
+                    <a:bodyPr/>
+                    <a:lstStyle/>
+                    <a:p>
+                      <a:r>
+                        <a:rPr lang="en-US" sz="1000" b="1" dirty="0">
+                          <a:solidFill>
+                            <a:schemeClr val="tx1">
+                              <a:lumMod val="50000"/>
+                              <a:lumOff val="50000"/>
+                            </a:schemeClr>
+                          </a:solidFill>
+                        </a:rPr>
+                        <a:t>Example</a:t>
+                      </a:r>
+                    </a:p>
+                  </a:txBody>
+                  <a:tcPr>
+                    <a:solidFill>
+                      <a:schemeClr val="bg1">
+                        <a:lumMod val="95000"/>
+                      </a:schemeClr>
+                    </a:solidFill>
+                  </a:tcPr>
+                </a:tc>
+                <a:tc>
+                  <a:txBody>
+                    <a:bodyPr/>
+                    <a:lstStyle/>
+                    <a:p>
+                      <a:r>
+                        <a:rPr lang="en-US" sz="1000" dirty="0"/>
+                        <a:t>124</a:t>
+                      </a:r>
+                    </a:p>
+                  </a:txBody>
+                  <a:tcPr>
+                    <a:solidFill>
+                      <a:schemeClr val="bg1">
+                        <a:lumMod val="95000"/>
+                      </a:schemeClr>
+                    </a:solidFill>
+                  </a:tcPr>
+                </a:tc>
+                <a:tc>
+                  <a:txBody>
+                    <a:bodyPr/>
+                    <a:lstStyle/>
+                    <a:p>
+                      <a:r>
+                        <a:rPr lang="en-US" sz="1000" dirty="0"/>
+                        <a:t>5Aa</a:t>
+                      </a:r>
+                    </a:p>
+                  </a:txBody>
+                  <a:tcPr>
+                    <a:solidFill>
+                      <a:schemeClr val="bg1">
+                        <a:lumMod val="95000"/>
+                      </a:schemeClr>
+                    </a:solidFill>
+                  </a:tcPr>
+                </a:tc>
+                <a:tc>
+                  <a:txBody>
+                    <a:bodyPr/>
+                    <a:lstStyle/>
+                    <a:p>
+                      <a:pPr marL="0" marR="0" lvl="0" indent="0" algn="l" defTabSz="914400" rtl="0" eaLnBrk="1" fontAlgn="auto" latinLnBrk="0" hangingPunct="1">
+                        <a:lnSpc>
+                          <a:spcPct val="100000"/>
+                        </a:lnSpc>
+                        <a:spcBef>
+                          <a:spcPts val="0"/>
+                        </a:spcBef>
+                        <a:spcAft>
+                          <a:spcPts val="0"/>
+                        </a:spcAft>
+                        <a:buClrTx/>
+                        <a:buSzTx/>
+                        <a:buFontTx/>
+                        <a:buNone/>
+                        <a:tabLst/>
+                        <a:defRPr/>
+                      </a:pPr>
+                      <a:r>
+                        <a:rPr lang="en-US" sz="1000" dirty="0"/>
+                        <a:t>05 - WT</a:t>
+                      </a:r>
+                    </a:p>
+                    <a:p>
+                      <a:endParaRPr lang="en-US" sz="1000" dirty="0"/>
+                    </a:p>
+                  </a:txBody>
+                  <a:tcPr>
+                    <a:solidFill>
+                      <a:schemeClr val="bg1">
+                        <a:lumMod val="95000"/>
+                      </a:schemeClr>
+                    </a:solidFill>
+                  </a:tcPr>
+                </a:tc>
+                <a:tc>
+                  <a:txBody>
+                    <a:bodyPr/>
+                    <a:lstStyle/>
+                    <a:p>
+                      <a:r>
+                        <a:rPr lang="en-US" sz="1000" dirty="0"/>
+                        <a:t>05 - WT_A</a:t>
+                      </a:r>
+                    </a:p>
+                  </a:txBody>
+                  <a:tcPr>
+                    <a:solidFill>
+                      <a:schemeClr val="bg1">
+                        <a:lumMod val="95000"/>
+                      </a:schemeClr>
+                    </a:solidFill>
+                  </a:tcPr>
+                </a:tc>
+                <a:tc>
+                  <a:txBody>
+                    <a:bodyPr/>
+                    <a:lstStyle/>
+                    <a:p>
+                      <a:r>
+                        <a:rPr lang="en-US" sz="1000" dirty="0"/>
+                        <a:t>05 - WT_A_a</a:t>
+                      </a:r>
+                    </a:p>
+                  </a:txBody>
+                  <a:tcPr>
+                    <a:solidFill>
+                      <a:schemeClr val="bg1">
+                        <a:lumMod val="95000"/>
+                      </a:schemeClr>
+                    </a:solidFill>
+                  </a:tcPr>
+                </a:tc>
+                <a:tc>
+                  <a:txBody>
+                    <a:bodyPr/>
+                    <a:lstStyle/>
+                    <a:p>
+                      <a:r>
+                        <a:rPr lang="en-US" sz="1000" dirty="0"/>
+                        <a:t>Cer 38:0;4</a:t>
+                      </a:r>
+                    </a:p>
+                  </a:txBody>
+                  <a:tcPr>
+                    <a:solidFill>
+                      <a:schemeClr val="bg1">
+                        <a:lumMod val="95000"/>
+                      </a:schemeClr>
+                    </a:solidFill>
+                  </a:tcPr>
+                </a:tc>
+                <a:tc>
+                  <a:txBody>
+                    <a:bodyPr/>
+                    <a:lstStyle/>
+                    <a:p>
+                      <a:r>
+                        <a:rPr lang="en-US" sz="1000" dirty="0"/>
+                        <a:t>SP</a:t>
+                      </a:r>
+                    </a:p>
+                  </a:txBody>
+                  <a:tcPr>
+                    <a:solidFill>
+                      <a:schemeClr val="bg1">
+                        <a:lumMod val="95000"/>
+                      </a:schemeClr>
+                    </a:solidFill>
+                  </a:tcPr>
+                </a:tc>
+                <a:tc>
+                  <a:txBody>
+                    <a:bodyPr/>
+                    <a:lstStyle/>
+                    <a:p>
+                      <a:r>
+                        <a:rPr lang="en-US" sz="1000" dirty="0"/>
+                        <a:t>SP</a:t>
+                      </a:r>
+                    </a:p>
+                  </a:txBody>
+                  <a:tcPr>
+                    <a:solidFill>
+                      <a:schemeClr val="bg1">
+                        <a:lumMod val="95000"/>
+                      </a:schemeClr>
+                    </a:solidFill>
+                  </a:tcPr>
+                </a:tc>
+                <a:tc>
+                  <a:txBody>
+                    <a:bodyPr/>
+                    <a:lstStyle/>
+                    <a:p>
+                      <a:r>
+                        <a:rPr lang="en-US" sz="1000" dirty="0"/>
+                        <a:t>Cer</a:t>
+                      </a:r>
+                    </a:p>
+                  </a:txBody>
+                  <a:tcPr>
+                    <a:solidFill>
+                      <a:schemeClr val="bg1">
+                        <a:lumMod val="95000"/>
+                      </a:schemeClr>
+                    </a:solidFill>
+                  </a:tcPr>
+                </a:tc>
+                <a:tc>
+                  <a:txBody>
+                    <a:bodyPr/>
+                    <a:lstStyle/>
+                    <a:p>
+                      <a:r>
+                        <a:rPr lang="en-US" sz="1000" dirty="0"/>
+                        <a:t>38</a:t>
+                      </a:r>
+                    </a:p>
+                  </a:txBody>
+                  <a:tcPr>
+                    <a:solidFill>
+                      <a:schemeClr val="bg1">
+                        <a:lumMod val="95000"/>
+                      </a:schemeClr>
+                    </a:solidFill>
+                  </a:tcPr>
+                </a:tc>
+                <a:tc>
+                  <a:txBody>
+                    <a:bodyPr/>
+                    <a:lstStyle/>
+                    <a:p>
+                      <a:r>
+                        <a:rPr lang="en-US" sz="1000" dirty="0"/>
+                        <a:t>0</a:t>
+                      </a:r>
+                    </a:p>
+                  </a:txBody>
+                  <a:tcPr>
+                    <a:solidFill>
+                      <a:schemeClr val="bg1">
+                        <a:lumMod val="95000"/>
+                      </a:schemeClr>
+                    </a:solidFill>
+                  </a:tcPr>
+                </a:tc>
+                <a:tc>
+                  <a:txBody>
+                    <a:bodyPr/>
+                    <a:lstStyle/>
+                    <a:p>
+                      <a:r>
+                        <a:rPr lang="en-US" sz="1000" dirty="0"/>
+                        <a:t>4</a:t>
+                      </a:r>
+                    </a:p>
+                  </a:txBody>
+                  <a:tcPr>
+                    <a:solidFill>
+                      <a:schemeClr val="bg1">
+                        <a:lumMod val="95000"/>
+                      </a:schemeClr>
+                    </a:solidFill>
+                  </a:tcPr>
+                </a:tc>
+                <a:tc>
+                  <a:txBody>
+                    <a:bodyPr/>
+                    <a:lstStyle/>
+                    <a:p>
+                      <a:r>
+                        <a:rPr lang="en-US" sz="1000" dirty="0"/>
+                        <a:t>38:0;4</a:t>
+                      </a:r>
+                    </a:p>
+                  </a:txBody>
+                  <a:tcPr>
+                    <a:solidFill>
+                      <a:schemeClr val="bg1">
+                        <a:lumMod val="95000"/>
+                      </a:schemeClr>
+                    </a:solidFill>
+                  </a:tcPr>
+                </a:tc>
+                <a:tc>
+                  <a:txBody>
+                    <a:bodyPr/>
+                    <a:lstStyle/>
+                    <a:p>
+                      <a:r>
+                        <a:rPr lang="en-US" sz="1000" dirty="0"/>
+                        <a:t>38:0;4</a:t>
+                      </a:r>
+                    </a:p>
+                  </a:txBody>
+                  <a:tcPr>
+                    <a:solidFill>
+                      <a:schemeClr val="bg1">
+                        <a:lumMod val="95000"/>
+                      </a:schemeClr>
+                    </a:solidFill>
+                  </a:tcPr>
+                </a:tc>
+                <a:tc>
+                  <a:txBody>
+                    <a:bodyPr/>
+                    <a:lstStyle/>
+                    <a:p>
+                      <a:r>
+                        <a:rPr lang="en-US" sz="1000" dirty="0"/>
+                        <a:t>0.0321595</a:t>
+                      </a:r>
+                    </a:p>
+                  </a:txBody>
+                  <a:tcPr>
+                    <a:solidFill>
+                      <a:schemeClr val="bg1">
+                        <a:lumMod val="95000"/>
+                      </a:schemeClr>
+                    </a:solidFill>
+                  </a:tcPr>
+                </a:tc>
+                <a:extLst>
+                  <a:ext uri="{0D108BD9-81ED-4DB2-BD59-A6C34878D82A}">
+                    <a16:rowId xmlns:a16="http://schemas.microsoft.com/office/drawing/2014/main" val="673984511"/>
+                  </a:ext>
+                </a:extLst>
+              </a:tr>
+              <a:tr h="298420">
+                <a:tc>
+                  <a:txBody>
+                    <a:bodyPr/>
+                    <a:lstStyle/>
+                    <a:p>
+                      <a:endParaRPr lang="en-US" sz="1000" b="1" dirty="0">
+                        <a:solidFill>
+                          <a:schemeClr val="bg1">
+                            <a:lumMod val="50000"/>
+                          </a:schemeClr>
+                        </a:solidFill>
+                      </a:endParaRPr>
+                    </a:p>
+                  </a:txBody>
+                  <a:tcPr>
+                    <a:solidFill>
+                      <a:schemeClr val="bg1">
+                        <a:lumMod val="85000"/>
+                      </a:schemeClr>
+                    </a:solidFill>
+                  </a:tcPr>
+                </a:tc>
+                <a:tc>
+                  <a:txBody>
+                    <a:bodyPr/>
+                    <a:lstStyle/>
+                    <a:p>
+                      <a:endParaRPr lang="en-US" sz="1000" dirty="0"/>
+                    </a:p>
+                  </a:txBody>
+                  <a:tcPr>
+                    <a:solidFill>
+                      <a:schemeClr val="bg1">
+                        <a:lumMod val="85000"/>
+                      </a:schemeClr>
+                    </a:solidFill>
+                  </a:tcPr>
+                </a:tc>
+                <a:tc>
+                  <a:txBody>
+                    <a:bodyPr/>
+                    <a:lstStyle/>
+                    <a:p>
+                      <a:endParaRPr lang="en-US" sz="1000" dirty="0"/>
+                    </a:p>
+                  </a:txBody>
+                  <a:tcPr>
+                    <a:solidFill>
+                      <a:schemeClr val="accent4">
+                        <a:lumMod val="20000"/>
+                        <a:lumOff val="80000"/>
+                      </a:schemeClr>
+                    </a:solidFill>
+                  </a:tcPr>
+                </a:tc>
+                <a:tc>
+                  <a:txBody>
+                    <a:bodyPr/>
+                    <a:lstStyle/>
+                    <a:p>
+                      <a:endParaRPr lang="en-US" sz="1000" dirty="0"/>
+                    </a:p>
+                  </a:txBody>
+                  <a:tcPr>
+                    <a:solidFill>
+                      <a:schemeClr val="accent4"/>
+                    </a:solidFill>
+                  </a:tcPr>
+                </a:tc>
+                <a:tc>
+                  <a:txBody>
+                    <a:bodyPr/>
+                    <a:lstStyle/>
+                    <a:p>
+                      <a:endParaRPr lang="en-US" sz="1000" dirty="0"/>
+                    </a:p>
+                  </a:txBody>
+                  <a:tcPr>
+                    <a:solidFill>
+                      <a:schemeClr val="accent4">
+                        <a:lumMod val="40000"/>
+                        <a:lumOff val="60000"/>
+                      </a:schemeClr>
+                    </a:solidFill>
+                  </a:tcPr>
+                </a:tc>
+                <a:tc>
+                  <a:txBody>
+                    <a:bodyPr/>
+                    <a:lstStyle/>
+                    <a:p>
+                      <a:endParaRPr lang="en-US" sz="1000" dirty="0"/>
+                    </a:p>
+                  </a:txBody>
+                  <a:tcPr>
+                    <a:solidFill>
+                      <a:schemeClr val="accent4">
+                        <a:lumMod val="20000"/>
+                        <a:lumOff val="80000"/>
+                      </a:schemeClr>
+                    </a:solidFill>
+                  </a:tcPr>
+                </a:tc>
+                <a:tc>
+                  <a:txBody>
+                    <a:bodyPr/>
+                    <a:lstStyle/>
+                    <a:p>
+                      <a:endParaRPr lang="en-US" sz="1000" dirty="0"/>
+                    </a:p>
+                  </a:txBody>
+                  <a:tcPr>
+                    <a:solidFill>
+                      <a:schemeClr val="accent6">
+                        <a:lumMod val="50000"/>
+                      </a:schemeClr>
+                    </a:solidFill>
+                  </a:tcPr>
+                </a:tc>
+                <a:tc>
+                  <a:txBody>
+                    <a:bodyPr/>
+                    <a:lstStyle/>
+                    <a:p>
+                      <a:endParaRPr lang="en-US" sz="1000" dirty="0"/>
+                    </a:p>
+                  </a:txBody>
+                  <a:tcPr>
+                    <a:solidFill>
+                      <a:schemeClr val="accent6">
+                        <a:lumMod val="40000"/>
+                        <a:lumOff val="60000"/>
+                      </a:schemeClr>
+                    </a:solidFill>
+                  </a:tcPr>
+                </a:tc>
+                <a:tc>
+                  <a:txBody>
+                    <a:bodyPr/>
+                    <a:lstStyle/>
+                    <a:p>
+                      <a:endParaRPr lang="en-US" sz="1000" dirty="0"/>
+                    </a:p>
+                  </a:txBody>
+                  <a:tcPr>
+                    <a:solidFill>
+                      <a:schemeClr val="accent6">
+                        <a:lumMod val="40000"/>
+                        <a:lumOff val="60000"/>
+                      </a:schemeClr>
+                    </a:solidFill>
+                  </a:tcPr>
+                </a:tc>
+                <a:tc>
+                  <a:txBody>
+                    <a:bodyPr/>
+                    <a:lstStyle/>
+                    <a:p>
+                      <a:endParaRPr lang="en-US" sz="1000" dirty="0"/>
+                    </a:p>
+                  </a:txBody>
+                  <a:tcPr>
+                    <a:solidFill>
+                      <a:schemeClr val="accent6">
+                        <a:lumMod val="60000"/>
+                        <a:lumOff val="40000"/>
+                      </a:schemeClr>
+                    </a:solidFill>
+                  </a:tcPr>
+                </a:tc>
+                <a:tc>
+                  <a:txBody>
+                    <a:bodyPr/>
+                    <a:lstStyle/>
+                    <a:p>
+                      <a:endParaRPr lang="en-US" sz="1000" dirty="0"/>
+                    </a:p>
+                  </a:txBody>
+                  <a:tcPr>
+                    <a:solidFill>
+                      <a:schemeClr val="accent6">
+                        <a:lumMod val="40000"/>
+                        <a:lumOff val="60000"/>
+                      </a:schemeClr>
+                    </a:solidFill>
+                  </a:tcPr>
+                </a:tc>
+                <a:tc>
+                  <a:txBody>
+                    <a:bodyPr/>
+                    <a:lstStyle/>
+                    <a:p>
+                      <a:endParaRPr lang="en-US" sz="1000" dirty="0"/>
+                    </a:p>
+                  </a:txBody>
+                  <a:tcPr>
+                    <a:solidFill>
+                      <a:schemeClr val="accent6">
+                        <a:lumMod val="40000"/>
+                        <a:lumOff val="60000"/>
+                      </a:schemeClr>
+                    </a:solidFill>
+                  </a:tcPr>
+                </a:tc>
+                <a:tc>
+                  <a:txBody>
+                    <a:bodyPr/>
+                    <a:lstStyle/>
+                    <a:p>
+                      <a:endParaRPr lang="en-US" sz="1000" dirty="0"/>
+                    </a:p>
+                  </a:txBody>
+                  <a:tcPr>
+                    <a:solidFill>
+                      <a:schemeClr val="accent6">
+                        <a:lumMod val="40000"/>
+                        <a:lumOff val="60000"/>
+                      </a:schemeClr>
+                    </a:solidFill>
+                  </a:tcPr>
+                </a:tc>
+                <a:tc>
+                  <a:txBody>
+                    <a:bodyPr/>
+                    <a:lstStyle/>
+                    <a:p>
+                      <a:endParaRPr lang="en-US" sz="1000" dirty="0"/>
+                    </a:p>
+                  </a:txBody>
+                  <a:tcPr>
+                    <a:solidFill>
+                      <a:schemeClr val="accent6">
+                        <a:lumMod val="75000"/>
+                      </a:schemeClr>
+                    </a:solidFill>
+                  </a:tcPr>
+                </a:tc>
+                <a:tc>
+                  <a:txBody>
+                    <a:bodyPr/>
+                    <a:lstStyle/>
+                    <a:p>
+                      <a:endParaRPr lang="en-US" sz="1000" dirty="0"/>
+                    </a:p>
+                  </a:txBody>
+                  <a:tcPr>
+                    <a:solidFill>
+                      <a:schemeClr val="accent6">
+                        <a:lumMod val="75000"/>
+                      </a:schemeClr>
+                    </a:solidFill>
+                  </a:tcPr>
+                </a:tc>
+                <a:tc>
+                  <a:txBody>
+                    <a:bodyPr/>
+                    <a:lstStyle/>
+                    <a:p>
+                      <a:endParaRPr lang="en-US" sz="1000" dirty="0"/>
+                    </a:p>
+                  </a:txBody>
+                  <a:tcPr>
+                    <a:solidFill>
+                      <a:schemeClr val="accent1"/>
+                    </a:solidFill>
+                  </a:tcPr>
+                </a:tc>
+                <a:extLst>
+                  <a:ext uri="{0D108BD9-81ED-4DB2-BD59-A6C34878D82A}">
+                    <a16:rowId xmlns:a16="http://schemas.microsoft.com/office/drawing/2014/main" val="3991776558"/>
+                  </a:ext>
+                </a:extLst>
+              </a:tr>
+            </a:tbl>
+          </a:graphicData>
+        </a:graphic>
+      </p:graphicFrame>
+      <p:sp>
+        <p:nvSpPr>
+          <p:cNvPr id="3" name="TextBox 2">
+            <a:extLst>
+              <a:ext uri="{FF2B5EF4-FFF2-40B4-BE49-F238E27FC236}">
+                <a16:creationId xmlns:a16="http://schemas.microsoft.com/office/drawing/2014/main" id="{D39E049E-D86D-4E41-9BF3-1F2EC2B428FB}"/>
+              </a:ext>
+            </a:extLst>
+          </p:cNvPr>
+          <p:cNvSpPr txBox="1"/>
+          <p:nvPr/>
+        </p:nvSpPr>
+        <p:spPr>
+          <a:xfrm>
+            <a:off x="406397" y="3021689"/>
+            <a:ext cx="10830563" cy="1200329"/>
+          </a:xfrm>
+          <a:prstGeom prst="rect">
+            <a:avLst/>
+          </a:prstGeom>
+          <a:noFill/>
+        </p:spPr>
+        <p:txBody>
+          <a:bodyPr wrap="square" rtlCol="0">
+            <a:spAutoFit/>
+          </a:bodyPr>
+          <a:lstStyle/>
+          <a:p>
+            <a:r>
+              <a:rPr lang="en-US" b="1" dirty="0"/>
+              <a:t>Key insights for grouping and summarizing:</a:t>
+            </a:r>
+          </a:p>
+          <a:p>
+            <a:pPr marL="285750" indent="-285750">
+              <a:buClr>
+                <a:schemeClr val="bg1">
+                  <a:lumMod val="50000"/>
+                </a:schemeClr>
+              </a:buClr>
+              <a:buFont typeface="Arial" panose="020B0604020202020204" pitchFamily="34" charset="0"/>
+              <a:buChar char="•"/>
+            </a:pPr>
+            <a:r>
+              <a:rPr lang="en-US" dirty="0"/>
+              <a:t>Value (originally µM) will be displayed on the y-axis or as the color value of the heatmap, can be µM or %</a:t>
+            </a:r>
+          </a:p>
+          <a:p>
+            <a:pPr marL="285750" indent="-285750">
+              <a:buClr>
+                <a:schemeClr val="bg1">
+                  <a:lumMod val="50000"/>
+                </a:schemeClr>
+              </a:buClr>
+              <a:buFont typeface="Arial" panose="020B0604020202020204" pitchFamily="34" charset="0"/>
+              <a:buChar char="•"/>
+            </a:pPr>
+            <a:r>
+              <a:rPr lang="en-US" dirty="0"/>
+              <a:t>Sample (preferably </a:t>
+            </a:r>
+            <a:r>
+              <a:rPr lang="en-US" dirty="0" err="1"/>
+              <a:t>sample_replicate</a:t>
+            </a:r>
+            <a:r>
+              <a:rPr lang="en-US" dirty="0"/>
+              <a:t>) should be present in the </a:t>
+            </a:r>
+            <a:r>
+              <a:rPr lang="en-US" dirty="0" err="1"/>
+              <a:t>aes</a:t>
+            </a:r>
+            <a:r>
+              <a:rPr lang="en-US" dirty="0"/>
+              <a:t>. (x, color, facet)</a:t>
+            </a:r>
+          </a:p>
+          <a:p>
+            <a:pPr marL="285750" indent="-285750">
+              <a:buClr>
+                <a:schemeClr val="bg1">
+                  <a:lumMod val="50000"/>
+                </a:schemeClr>
+              </a:buClr>
+              <a:buFont typeface="Arial" panose="020B0604020202020204" pitchFamily="34" charset="0"/>
+              <a:buChar char="•"/>
+            </a:pPr>
+            <a:endParaRPr lang="en-US" dirty="0"/>
+          </a:p>
+        </p:txBody>
+      </p:sp>
+    </p:spTree>
+    <p:extLst>
+      <p:ext uri="{BB962C8B-B14F-4D97-AF65-F5344CB8AC3E}">
+        <p14:creationId xmlns:p14="http://schemas.microsoft.com/office/powerpoint/2010/main" val="3532374629"/>
       </p:ext>
     </p:extLst>
   </p:cSld>

--- a/doc/Hirarchy of lipidomics features.pptx
+++ b/doc/Hirarchy of lipidomics features.pptx
@@ -7,6 +7,7 @@
   <p:sldIdLst>
     <p:sldId id="256" r:id="rId2"/>
     <p:sldId id="258" r:id="rId3"/>
+    <p:sldId id="259" r:id="rId4"/>
   </p:sldIdLst>
   <p:sldSz cx="12192000" cy="6858000"/>
   <p:notesSz cx="6858000" cy="9144000"/>
@@ -260,7 +261,7 @@
           <a:p>
             <a:fld id="{7941CFC2-8607-4E90-97DB-C784315D28CA}" type="datetimeFigureOut">
               <a:rPr lang="en-US" smtClean="0"/>
-              <a:t>2018-08-26</a:t>
+              <a:t>2018-08-28</a:t>
             </a:fld>
             <a:endParaRPr lang="en-US" dirty="0"/>
           </a:p>
@@ -458,7 +459,7 @@
           <a:p>
             <a:fld id="{7941CFC2-8607-4E90-97DB-C784315D28CA}" type="datetimeFigureOut">
               <a:rPr lang="en-US" smtClean="0"/>
-              <a:t>2018-08-26</a:t>
+              <a:t>2018-08-28</a:t>
             </a:fld>
             <a:endParaRPr lang="en-US" dirty="0"/>
           </a:p>
@@ -666,7 +667,7 @@
           <a:p>
             <a:fld id="{7941CFC2-8607-4E90-97DB-C784315D28CA}" type="datetimeFigureOut">
               <a:rPr lang="en-US" smtClean="0"/>
-              <a:t>2018-08-26</a:t>
+              <a:t>2018-08-28</a:t>
             </a:fld>
             <a:endParaRPr lang="en-US" dirty="0"/>
           </a:p>
@@ -864,7 +865,7 @@
           <a:p>
             <a:fld id="{7941CFC2-8607-4E90-97DB-C784315D28CA}" type="datetimeFigureOut">
               <a:rPr lang="en-US" smtClean="0"/>
-              <a:t>2018-08-26</a:t>
+              <a:t>2018-08-28</a:t>
             </a:fld>
             <a:endParaRPr lang="en-US" dirty="0"/>
           </a:p>
@@ -1139,7 +1140,7 @@
           <a:p>
             <a:fld id="{7941CFC2-8607-4E90-97DB-C784315D28CA}" type="datetimeFigureOut">
               <a:rPr lang="en-US" smtClean="0"/>
-              <a:t>2018-08-26</a:t>
+              <a:t>2018-08-28</a:t>
             </a:fld>
             <a:endParaRPr lang="en-US" dirty="0"/>
           </a:p>
@@ -1404,7 +1405,7 @@
           <a:p>
             <a:fld id="{7941CFC2-8607-4E90-97DB-C784315D28CA}" type="datetimeFigureOut">
               <a:rPr lang="en-US" smtClean="0"/>
-              <a:t>2018-08-26</a:t>
+              <a:t>2018-08-28</a:t>
             </a:fld>
             <a:endParaRPr lang="en-US" dirty="0"/>
           </a:p>
@@ -1816,7 +1817,7 @@
           <a:p>
             <a:fld id="{7941CFC2-8607-4E90-97DB-C784315D28CA}" type="datetimeFigureOut">
               <a:rPr lang="en-US" smtClean="0"/>
-              <a:t>2018-08-26</a:t>
+              <a:t>2018-08-28</a:t>
             </a:fld>
             <a:endParaRPr lang="en-US" dirty="0"/>
           </a:p>
@@ -1957,7 +1958,7 @@
           <a:p>
             <a:fld id="{7941CFC2-8607-4E90-97DB-C784315D28CA}" type="datetimeFigureOut">
               <a:rPr lang="en-US" smtClean="0"/>
-              <a:t>2018-08-26</a:t>
+              <a:t>2018-08-28</a:t>
             </a:fld>
             <a:endParaRPr lang="en-US" dirty="0"/>
           </a:p>
@@ -2070,7 +2071,7 @@
           <a:p>
             <a:fld id="{7941CFC2-8607-4E90-97DB-C784315D28CA}" type="datetimeFigureOut">
               <a:rPr lang="en-US" smtClean="0"/>
-              <a:t>2018-08-26</a:t>
+              <a:t>2018-08-28</a:t>
             </a:fld>
             <a:endParaRPr lang="en-US" dirty="0"/>
           </a:p>
@@ -2381,7 +2382,7 @@
           <a:p>
             <a:fld id="{7941CFC2-8607-4E90-97DB-C784315D28CA}" type="datetimeFigureOut">
               <a:rPr lang="en-US" smtClean="0"/>
-              <a:t>2018-08-26</a:t>
+              <a:t>2018-08-28</a:t>
             </a:fld>
             <a:endParaRPr lang="en-US" dirty="0"/>
           </a:p>
@@ -2669,7 +2670,7 @@
           <a:p>
             <a:fld id="{7941CFC2-8607-4E90-97DB-C784315D28CA}" type="datetimeFigureOut">
               <a:rPr lang="en-US" smtClean="0"/>
-              <a:t>2018-08-26</a:t>
+              <a:t>2018-08-28</a:t>
             </a:fld>
             <a:endParaRPr lang="en-US" dirty="0"/>
           </a:p>
@@ -2910,7 +2911,7 @@
           <a:p>
             <a:fld id="{7941CFC2-8607-4E90-97DB-C784315D28CA}" type="datetimeFigureOut">
               <a:rPr lang="en-US" smtClean="0"/>
-              <a:t>2018-08-26</a:t>
+              <a:t>2018-08-28</a:t>
             </a:fld>
             <a:endParaRPr lang="en-US" dirty="0"/>
           </a:p>
@@ -6701,6 +6702,61 @@
 </p:sld>
 </file>
 
+<file path=ppt/slides/slide3.xml><?xml version="1.0" encoding="utf-8"?>
+<p:sld xmlns:a="http://schemas.openxmlformats.org/drawingml/2006/main" xmlns:r="http://schemas.openxmlformats.org/officeDocument/2006/relationships" xmlns:p="http://schemas.openxmlformats.org/presentationml/2006/main">
+  <p:cSld>
+    <p:spTree>
+      <p:nvGrpSpPr>
+        <p:cNvPr id="1" name=""/>
+        <p:cNvGrpSpPr/>
+        <p:nvPr/>
+      </p:nvGrpSpPr>
+      <p:grpSpPr>
+        <a:xfrm>
+          <a:off x="0" y="0"/>
+          <a:ext cx="0" cy="0"/>
+          <a:chOff x="0" y="0"/>
+          <a:chExt cx="0" cy="0"/>
+        </a:xfrm>
+      </p:grpSpPr>
+      <p:sp>
+        <p:nvSpPr>
+          <p:cNvPr id="5" name="Content Placeholder 4">
+            <a:extLst>
+              <a:ext uri="{FF2B5EF4-FFF2-40B4-BE49-F238E27FC236}">
+                <a16:creationId xmlns:a16="http://schemas.microsoft.com/office/drawing/2014/main" id="{3657D38B-106A-429C-94CC-4CC1EB12C4EF}"/>
+              </a:ext>
+            </a:extLst>
+          </p:cNvPr>
+          <p:cNvSpPr>
+            <a:spLocks noGrp="1"/>
+          </p:cNvSpPr>
+          <p:nvPr>
+            <p:ph idx="1"/>
+          </p:nvPr>
+        </p:nvSpPr>
+        <p:spPr/>
+        <p:txBody>
+          <a:bodyPr/>
+          <a:lstStyle/>
+          <a:p>
+            <a:endParaRPr lang="en-US"/>
+          </a:p>
+        </p:txBody>
+      </p:sp>
+    </p:spTree>
+    <p:extLst>
+      <p:ext uri="{BB962C8B-B14F-4D97-AF65-F5344CB8AC3E}">
+        <p14:creationId xmlns:p14="http://schemas.microsoft.com/office/powerpoint/2010/main" val="345901254"/>
+      </p:ext>
+    </p:extLst>
+  </p:cSld>
+  <p:clrMapOvr>
+    <a:masterClrMapping/>
+  </p:clrMapOvr>
+</p:sld>
+</file>
+
 <file path=ppt/theme/theme1.xml><?xml version="1.0" encoding="utf-8"?>
 <a:theme xmlns:a="http://schemas.openxmlformats.org/drawingml/2006/main" name="Office Theme">
   <a:themeElements>
